--- a/Презентация.pptx
+++ b/Презентация.pptx
@@ -12,9 +12,9 @@
     <p:sldId id="262" r:id="rId3"/>
     <p:sldId id="257" r:id="rId4"/>
     <p:sldId id="258" r:id="rId5"/>
-    <p:sldId id="259" r:id="rId6"/>
-    <p:sldId id="260" r:id="rId7"/>
-    <p:sldId id="261" r:id="rId8"/>
+    <p:sldId id="260" r:id="rId6"/>
+    <p:sldId id="261" r:id="rId7"/>
+    <p:sldId id="259" r:id="rId8"/>
     <p:sldId id="263" r:id="rId9"/>
     <p:sldId id="264" r:id="rId10"/>
   </p:sldIdLst>
@@ -200,7 +200,7 @@
           <a:p>
             <a:fld id="{B9A310D7-109B-4C20-95F1-2AD6BE66EAF0}" type="datetimeFigureOut">
               <a:rPr lang="ru-RU" smtClean="0"/>
-              <a:t>15.01.2024</a:t>
+              <a:t>16.01.2024</a:t>
             </a:fld>
             <a:endParaRPr lang="ru-RU"/>
           </a:p>
@@ -368,6 +368,11 @@
         </p:txBody>
       </p:sp>
     </p:spTree>
+    <p:extLst>
+      <p:ext uri="{BB962C8B-B14F-4D97-AF65-F5344CB8AC3E}">
+        <p14:creationId xmlns:p14="http://schemas.microsoft.com/office/powerpoint/2010/main" val="611402602"/>
+      </p:ext>
+    </p:extLst>
   </p:cSld>
   <p:clrMap bg1="lt1" tx1="dk1" bg2="lt2" tx2="dk2" accent1="accent1" accent2="accent2" accent3="accent3" accent4="accent4" accent5="accent5" accent6="accent6" hlink="hlink" folHlink="folHlink"/>
   <p:notesStyle>
@@ -647,7 +652,7 @@
             <a:fld id="{AE02C2C2-E7D9-4A92-9674-2F2102BF4B80}" type="datetimeFigureOut">
               <a:rPr lang="ru-RU" smtClean="0"/>
               <a:pPr/>
-              <a:t>15.01.2024</a:t>
+              <a:t>16.01.2024</a:t>
             </a:fld>
             <a:endParaRPr lang="ru-RU"/>
           </a:p>
@@ -817,7 +822,7 @@
             <a:fld id="{AE02C2C2-E7D9-4A92-9674-2F2102BF4B80}" type="datetimeFigureOut">
               <a:rPr lang="ru-RU" smtClean="0"/>
               <a:pPr/>
-              <a:t>15.01.2024</a:t>
+              <a:t>16.01.2024</a:t>
             </a:fld>
             <a:endParaRPr lang="ru-RU"/>
           </a:p>
@@ -997,7 +1002,7 @@
             <a:fld id="{AE02C2C2-E7D9-4A92-9674-2F2102BF4B80}" type="datetimeFigureOut">
               <a:rPr lang="ru-RU" smtClean="0"/>
               <a:pPr/>
-              <a:t>15.01.2024</a:t>
+              <a:t>16.01.2024</a:t>
             </a:fld>
             <a:endParaRPr lang="ru-RU"/>
           </a:p>
@@ -1167,7 +1172,7 @@
             <a:fld id="{AE02C2C2-E7D9-4A92-9674-2F2102BF4B80}" type="datetimeFigureOut">
               <a:rPr lang="ru-RU" smtClean="0"/>
               <a:pPr/>
-              <a:t>15.01.2024</a:t>
+              <a:t>16.01.2024</a:t>
             </a:fld>
             <a:endParaRPr lang="ru-RU"/>
           </a:p>
@@ -1413,7 +1418,7 @@
             <a:fld id="{AE02C2C2-E7D9-4A92-9674-2F2102BF4B80}" type="datetimeFigureOut">
               <a:rPr lang="ru-RU" smtClean="0"/>
               <a:pPr/>
-              <a:t>15.01.2024</a:t>
+              <a:t>16.01.2024</a:t>
             </a:fld>
             <a:endParaRPr lang="ru-RU"/>
           </a:p>
@@ -1701,7 +1706,7 @@
             <a:fld id="{AE02C2C2-E7D9-4A92-9674-2F2102BF4B80}" type="datetimeFigureOut">
               <a:rPr lang="ru-RU" smtClean="0"/>
               <a:pPr/>
-              <a:t>15.01.2024</a:t>
+              <a:t>16.01.2024</a:t>
             </a:fld>
             <a:endParaRPr lang="ru-RU"/>
           </a:p>
@@ -2123,7 +2128,7 @@
             <a:fld id="{AE02C2C2-E7D9-4A92-9674-2F2102BF4B80}" type="datetimeFigureOut">
               <a:rPr lang="ru-RU" smtClean="0"/>
               <a:pPr/>
-              <a:t>15.01.2024</a:t>
+              <a:t>16.01.2024</a:t>
             </a:fld>
             <a:endParaRPr lang="ru-RU"/>
           </a:p>
@@ -2241,7 +2246,7 @@
             <a:fld id="{AE02C2C2-E7D9-4A92-9674-2F2102BF4B80}" type="datetimeFigureOut">
               <a:rPr lang="ru-RU" smtClean="0"/>
               <a:pPr/>
-              <a:t>15.01.2024</a:t>
+              <a:t>16.01.2024</a:t>
             </a:fld>
             <a:endParaRPr lang="ru-RU"/>
           </a:p>
@@ -2336,7 +2341,7 @@
             <a:fld id="{AE02C2C2-E7D9-4A92-9674-2F2102BF4B80}" type="datetimeFigureOut">
               <a:rPr lang="ru-RU" smtClean="0"/>
               <a:pPr/>
-              <a:t>15.01.2024</a:t>
+              <a:t>16.01.2024</a:t>
             </a:fld>
             <a:endParaRPr lang="ru-RU"/>
           </a:p>
@@ -2613,7 +2618,7 @@
             <a:fld id="{AE02C2C2-E7D9-4A92-9674-2F2102BF4B80}" type="datetimeFigureOut">
               <a:rPr lang="ru-RU" smtClean="0"/>
               <a:pPr/>
-              <a:t>15.01.2024</a:t>
+              <a:t>16.01.2024</a:t>
             </a:fld>
             <a:endParaRPr lang="ru-RU"/>
           </a:p>
@@ -2866,7 +2871,7 @@
             <a:fld id="{AE02C2C2-E7D9-4A92-9674-2F2102BF4B80}" type="datetimeFigureOut">
               <a:rPr lang="ru-RU" smtClean="0"/>
               <a:pPr/>
-              <a:t>15.01.2024</a:t>
+              <a:t>16.01.2024</a:t>
             </a:fld>
             <a:endParaRPr lang="ru-RU"/>
           </a:p>
@@ -3088,7 +3093,7 @@
             <a:fld id="{AE02C2C2-E7D9-4A92-9674-2F2102BF4B80}" type="datetimeFigureOut">
               <a:rPr lang="ru-RU" smtClean="0"/>
               <a:pPr/>
-              <a:t>15.01.2024</a:t>
+              <a:t>16.01.2024</a:t>
             </a:fld>
             <a:endParaRPr lang="ru-RU"/>
           </a:p>
@@ -3673,47 +3678,7 @@
             </a:r>
             <a:r>
               <a:rPr lang="ru-RU" smtClean="0"/>
-              <a:t>и</a:t>
-            </a:r>
-            <a:r>
-              <a:rPr lang="ru-RU" smtClean="0"/>
-              <a:t>гра-квест </a:t>
-            </a:r>
-            <a:r>
-              <a:rPr lang="ru-RU" smtClean="0"/>
-              <a:t>про персонажа Pusheen, который оказался запертым в школе. Для того, чтобы выбраться из неё, ему необходимо </a:t>
-            </a:r>
-            <a:r>
-              <a:rPr lang="ru-RU" smtClean="0"/>
-              <a:t>пройти </a:t>
-            </a:r>
-            <a:r>
-              <a:rPr lang="ru-RU" smtClean="0"/>
-              <a:t>5 различных уровня. Помимо </a:t>
-            </a:r>
-            <a:r>
-              <a:rPr lang="ru-RU" smtClean="0"/>
-              <a:t>обычных препятствий, </a:t>
-            </a:r>
-            <a:r>
-              <a:rPr lang="ru-RU" smtClean="0"/>
-              <a:t>на </a:t>
-            </a:r>
-            <a:r>
-              <a:rPr lang="ru-RU" smtClean="0"/>
-              <a:t>3 уровнях </a:t>
-            </a:r>
-            <a:r>
-              <a:rPr lang="ru-RU" smtClean="0"/>
-              <a:t>необходимо будет пройти интеллектуальную </a:t>
-            </a:r>
-            <a:r>
-              <a:rPr lang="ru-RU" smtClean="0"/>
-              <a:t>мини-игру </a:t>
-            </a:r>
-            <a:r>
-              <a:rPr lang="ru-RU" smtClean="0"/>
-              <a:t>по учебному предмету, соответствующему данному уровню.</a:t>
+              <a:t>игра-квест про персонажа Pusheen, который оказался запертым в школе. Для того, чтобы выбраться из неё, ему необходимо пройти 5 различных уровня. Помимо обычных препятствий, на 3 уровнях необходимо будет пройти интеллектуальную мини-игру по учебному предмету, соответствующему данному уровню.</a:t>
             </a:r>
             <a:endParaRPr lang="ru-RU"/>
           </a:p>
@@ -5356,7 +5321,6 @@
               <a:rPr lang="en-US" smtClean="0"/>
               <a:t>datetime</a:t>
             </a:r>
-            <a:endParaRPr lang="en-US" smtClean="0"/>
           </a:p>
           <a:p>
             <a:endParaRPr lang="en-US" smtClean="0"/>
@@ -5611,6 +5575,510 @@
 </file>
 
 <file path=ppt/slides/slide5.xml><?xml version="1.0" encoding="utf-8"?>
+<p:sld xmlns:a="http://schemas.openxmlformats.org/drawingml/2006/main" xmlns:r="http://schemas.openxmlformats.org/officeDocument/2006/relationships" xmlns:p="http://schemas.openxmlformats.org/presentationml/2006/main">
+  <p:cSld>
+    <p:spTree>
+      <p:nvGrpSpPr>
+        <p:cNvPr id="1" name=""/>
+        <p:cNvGrpSpPr/>
+        <p:nvPr/>
+      </p:nvGrpSpPr>
+      <p:grpSpPr>
+        <a:xfrm>
+          <a:off x="0" y="0"/>
+          <a:ext cx="0" cy="0"/>
+          <a:chOff x="0" y="0"/>
+          <a:chExt cx="0" cy="0"/>
+        </a:xfrm>
+      </p:grpSpPr>
+      <p:sp>
+        <p:nvSpPr>
+          <p:cNvPr id="2" name="Заголовок 1"/>
+          <p:cNvSpPr>
+            <a:spLocks noGrp="1"/>
+          </p:cNvSpPr>
+          <p:nvPr>
+            <p:ph type="title"/>
+          </p:nvPr>
+        </p:nvSpPr>
+        <p:spPr>
+          <a:xfrm>
+            <a:off x="457200" y="-142900"/>
+            <a:ext cx="8229600" cy="1143000"/>
+          </a:xfrm>
+        </p:spPr>
+        <p:txBody>
+          <a:bodyPr/>
+          <a:lstStyle/>
+          <a:p>
+            <a:r>
+              <a:rPr lang="ru-RU" smtClean="0"/>
+              <a:t>Важные фрагменты кода</a:t>
+            </a:r>
+            <a:endParaRPr lang="ru-RU"/>
+          </a:p>
+        </p:txBody>
+      </p:sp>
+      <p:pic>
+        <p:nvPicPr>
+          <p:cNvPr id="3073" name="Picture 1"/>
+          <p:cNvPicPr>
+            <a:picLocks noChangeAspect="1" noChangeArrowheads="1"/>
+          </p:cNvPicPr>
+          <p:nvPr/>
+        </p:nvPicPr>
+        <p:blipFill>
+          <a:blip r:embed="rId2"/>
+          <a:srcRect l="3843" t="16601" r="55527" b="38477"/>
+          <a:stretch>
+            <a:fillRect/>
+          </a:stretch>
+        </p:blipFill>
+        <p:spPr bwMode="auto">
+          <a:xfrm>
+            <a:off x="71406" y="822478"/>
+            <a:ext cx="5572164" cy="3463778"/>
+          </a:xfrm>
+          <a:prstGeom prst="rect">
+            <a:avLst/>
+          </a:prstGeom>
+          <a:noFill/>
+          <a:ln w="9525">
+            <a:noFill/>
+            <a:miter lim="800000"/>
+            <a:headEnd/>
+            <a:tailEnd/>
+          </a:ln>
+          <a:effectLst/>
+        </p:spPr>
+      </p:pic>
+      <p:pic>
+        <p:nvPicPr>
+          <p:cNvPr id="3074" name="Picture 2"/>
+          <p:cNvPicPr>
+            <a:picLocks noChangeAspect="1" noChangeArrowheads="1"/>
+          </p:cNvPicPr>
+          <p:nvPr/>
+        </p:nvPicPr>
+        <p:blipFill>
+          <a:blip r:embed="rId3"/>
+          <a:srcRect l="2782" t="20703" r="60432" b="37305"/>
+          <a:stretch>
+            <a:fillRect/>
+          </a:stretch>
+        </p:blipFill>
+        <p:spPr bwMode="auto">
+          <a:xfrm>
+            <a:off x="4071934" y="3571876"/>
+            <a:ext cx="5000628" cy="3209358"/>
+          </a:xfrm>
+          <a:prstGeom prst="rect">
+            <a:avLst/>
+          </a:prstGeom>
+          <a:noFill/>
+          <a:ln w="9525">
+            <a:noFill/>
+            <a:miter lim="800000"/>
+            <a:headEnd/>
+            <a:tailEnd/>
+          </a:ln>
+          <a:effectLst/>
+        </p:spPr>
+      </p:pic>
+      <p:sp>
+        <p:nvSpPr>
+          <p:cNvPr id="6" name="TextBox 5"/>
+          <p:cNvSpPr txBox="1"/>
+          <p:nvPr/>
+        </p:nvSpPr>
+        <p:spPr>
+          <a:xfrm>
+            <a:off x="-32" y="4357694"/>
+            <a:ext cx="3717877" cy="461665"/>
+          </a:xfrm>
+          <a:prstGeom prst="rect">
+            <a:avLst/>
+          </a:prstGeom>
+          <a:noFill/>
+        </p:spPr>
+        <p:txBody>
+          <a:bodyPr wrap="none" rtlCol="0">
+            <a:spAutoFit/>
+          </a:bodyPr>
+          <a:lstStyle/>
+          <a:p>
+            <a:r>
+              <a:rPr lang="ru-RU" sz="2400" smtClean="0"/>
+              <a:t>Перемещение персонажа</a:t>
+            </a:r>
+            <a:endParaRPr lang="ru-RU" sz="2400"/>
+          </a:p>
+        </p:txBody>
+      </p:sp>
+      <p:sp>
+        <p:nvSpPr>
+          <p:cNvPr id="7" name="TextBox 6"/>
+          <p:cNvSpPr txBox="1"/>
+          <p:nvPr/>
+        </p:nvSpPr>
+        <p:spPr>
+          <a:xfrm>
+            <a:off x="6730358" y="3100328"/>
+            <a:ext cx="2413674" cy="461665"/>
+          </a:xfrm>
+          <a:prstGeom prst="rect">
+            <a:avLst/>
+          </a:prstGeom>
+          <a:noFill/>
+        </p:spPr>
+        <p:txBody>
+          <a:bodyPr wrap="none" rtlCol="0">
+            <a:spAutoFit/>
+          </a:bodyPr>
+          <a:lstStyle/>
+          <a:p>
+            <a:r>
+              <a:rPr lang="ru-RU" sz="2400" smtClean="0"/>
+              <a:t>Игровые циклы</a:t>
+            </a:r>
+            <a:endParaRPr lang="ru-RU" sz="2400"/>
+          </a:p>
+        </p:txBody>
+      </p:sp>
+    </p:spTree>
+  </p:cSld>
+  <p:clrMapOvr>
+    <a:masterClrMapping/>
+  </p:clrMapOvr>
+  <p:transition>
+    <p:cover dir="lu"/>
+  </p:transition>
+  <p:timing>
+    <p:tnLst>
+      <p:par>
+        <p:cTn id="1" dur="indefinite" restart="never" nodeType="tmRoot"/>
+      </p:par>
+    </p:tnLst>
+  </p:timing>
+</p:sld>
+</file>
+
+<file path=ppt/slides/slide6.xml><?xml version="1.0" encoding="utf-8"?>
+<p:sld xmlns:a="http://schemas.openxmlformats.org/drawingml/2006/main" xmlns:r="http://schemas.openxmlformats.org/officeDocument/2006/relationships" xmlns:p="http://schemas.openxmlformats.org/presentationml/2006/main">
+  <p:cSld>
+    <p:spTree>
+      <p:nvGrpSpPr>
+        <p:cNvPr id="1" name=""/>
+        <p:cNvGrpSpPr/>
+        <p:nvPr/>
+      </p:nvGrpSpPr>
+      <p:grpSpPr>
+        <a:xfrm>
+          <a:off x="0" y="0"/>
+          <a:ext cx="0" cy="0"/>
+          <a:chOff x="0" y="0"/>
+          <a:chExt cx="0" cy="0"/>
+        </a:xfrm>
+      </p:grpSpPr>
+      <p:pic>
+        <p:nvPicPr>
+          <p:cNvPr id="2049" name="Picture 1"/>
+          <p:cNvPicPr>
+            <a:picLocks noChangeAspect="1" noChangeArrowheads="1"/>
+          </p:cNvPicPr>
+          <p:nvPr/>
+        </p:nvPicPr>
+        <p:blipFill>
+          <a:blip r:embed="rId2"/>
+          <a:srcRect l="2745" t="15625" r="59919" b="37500"/>
+          <a:stretch>
+            <a:fillRect/>
+          </a:stretch>
+        </p:blipFill>
+        <p:spPr bwMode="auto">
+          <a:xfrm>
+            <a:off x="142844" y="642918"/>
+            <a:ext cx="4786346" cy="3378598"/>
+          </a:xfrm>
+          <a:prstGeom prst="rect">
+            <a:avLst/>
+          </a:prstGeom>
+          <a:noFill/>
+          <a:ln w="9525">
+            <a:noFill/>
+            <a:miter lim="800000"/>
+            <a:headEnd/>
+            <a:tailEnd/>
+          </a:ln>
+          <a:effectLst/>
+        </p:spPr>
+      </p:pic>
+      <p:sp>
+        <p:nvSpPr>
+          <p:cNvPr id="5" name="Заголовок 1"/>
+          <p:cNvSpPr>
+            <a:spLocks noGrp="1"/>
+          </p:cNvSpPr>
+          <p:nvPr>
+            <p:ph type="title"/>
+          </p:nvPr>
+        </p:nvSpPr>
+        <p:spPr>
+          <a:xfrm>
+            <a:off x="428596" y="-285776"/>
+            <a:ext cx="8229600" cy="1143000"/>
+          </a:xfrm>
+        </p:spPr>
+        <p:txBody>
+          <a:bodyPr/>
+          <a:lstStyle/>
+          <a:p>
+            <a:r>
+              <a:rPr lang="ru-RU" smtClean="0"/>
+              <a:t>Важные фрагменты кода</a:t>
+            </a:r>
+            <a:endParaRPr lang="ru-RU"/>
+          </a:p>
+        </p:txBody>
+      </p:sp>
+      <p:pic>
+        <p:nvPicPr>
+          <p:cNvPr id="2050" name="Picture 2"/>
+          <p:cNvPicPr>
+            <a:picLocks noChangeAspect="1" noChangeArrowheads="1"/>
+          </p:cNvPicPr>
+          <p:nvPr/>
+        </p:nvPicPr>
+        <p:blipFill>
+          <a:blip r:embed="rId3"/>
+          <a:srcRect l="3294" t="19531" r="65959" b="40430"/>
+          <a:stretch>
+            <a:fillRect/>
+          </a:stretch>
+        </p:blipFill>
+        <p:spPr bwMode="auto">
+          <a:xfrm>
+            <a:off x="5014599" y="3643314"/>
+            <a:ext cx="4057995" cy="2971032"/>
+          </a:xfrm>
+          <a:prstGeom prst="rect">
+            <a:avLst/>
+          </a:prstGeom>
+          <a:noFill/>
+          <a:ln w="9525">
+            <a:noFill/>
+            <a:miter lim="800000"/>
+            <a:headEnd/>
+            <a:tailEnd/>
+          </a:ln>
+          <a:effectLst/>
+        </p:spPr>
+      </p:pic>
+      <p:pic>
+        <p:nvPicPr>
+          <p:cNvPr id="2051" name="Picture 3"/>
+          <p:cNvPicPr>
+            <a:picLocks noChangeAspect="1" noChangeArrowheads="1"/>
+          </p:cNvPicPr>
+          <p:nvPr/>
+        </p:nvPicPr>
+        <p:blipFill>
+          <a:blip r:embed="rId4"/>
+          <a:srcRect l="3331" t="16797" r="49451" b="38281"/>
+          <a:stretch>
+            <a:fillRect/>
+          </a:stretch>
+        </p:blipFill>
+        <p:spPr bwMode="auto">
+          <a:xfrm>
+            <a:off x="142844" y="4164390"/>
+            <a:ext cx="4786346" cy="2560138"/>
+          </a:xfrm>
+          <a:prstGeom prst="rect">
+            <a:avLst/>
+          </a:prstGeom>
+          <a:noFill/>
+          <a:ln w="9525">
+            <a:noFill/>
+            <a:miter lim="800000"/>
+            <a:headEnd/>
+            <a:tailEnd/>
+          </a:ln>
+          <a:effectLst/>
+        </p:spPr>
+      </p:pic>
+      <p:sp>
+        <p:nvSpPr>
+          <p:cNvPr id="8" name="TextBox 7"/>
+          <p:cNvSpPr txBox="1"/>
+          <p:nvPr/>
+        </p:nvSpPr>
+        <p:spPr>
+          <a:xfrm>
+            <a:off x="1857356" y="3571876"/>
+            <a:ext cx="3394777" cy="400110"/>
+          </a:xfrm>
+          <a:prstGeom prst="rect">
+            <a:avLst/>
+          </a:prstGeom>
+          <a:noFill/>
+        </p:spPr>
+        <p:txBody>
+          <a:bodyPr wrap="square" rtlCol="0">
+            <a:spAutoFit/>
+          </a:bodyPr>
+          <a:lstStyle/>
+          <a:p>
+            <a:r>
+              <a:rPr lang="ru-RU" sz="2000" smtClean="0"/>
+              <a:t>Мини-игра (математика)</a:t>
+            </a:r>
+            <a:endParaRPr lang="ru-RU" sz="2000"/>
+          </a:p>
+        </p:txBody>
+      </p:sp>
+      <p:sp>
+        <p:nvSpPr>
+          <p:cNvPr id="9" name="TextBox 8"/>
+          <p:cNvSpPr txBox="1"/>
+          <p:nvPr/>
+        </p:nvSpPr>
+        <p:spPr>
+          <a:xfrm>
+            <a:off x="3963305" y="4171898"/>
+            <a:ext cx="3394777" cy="400110"/>
+          </a:xfrm>
+          <a:prstGeom prst="rect">
+            <a:avLst/>
+          </a:prstGeom>
+          <a:noFill/>
+        </p:spPr>
+        <p:txBody>
+          <a:bodyPr wrap="square" rtlCol="0">
+            <a:spAutoFit/>
+          </a:bodyPr>
+          <a:lstStyle/>
+          <a:p>
+            <a:r>
+              <a:rPr lang="ru-RU" sz="2000" smtClean="0"/>
+              <a:t>Таймер</a:t>
+            </a:r>
+            <a:endParaRPr lang="ru-RU" sz="2000"/>
+          </a:p>
+        </p:txBody>
+      </p:sp>
+      <p:pic>
+        <p:nvPicPr>
+          <p:cNvPr id="2052" name="Picture 4"/>
+          <p:cNvPicPr>
+            <a:picLocks noChangeAspect="1" noChangeArrowheads="1"/>
+          </p:cNvPicPr>
+          <p:nvPr/>
+        </p:nvPicPr>
+        <p:blipFill>
+          <a:blip r:embed="rId5"/>
+          <a:srcRect l="2745" t="20508" r="63177" b="39453"/>
+          <a:stretch>
+            <a:fillRect/>
+          </a:stretch>
+        </p:blipFill>
+        <p:spPr bwMode="auto">
+          <a:xfrm>
+            <a:off x="5000628" y="857232"/>
+            <a:ext cx="4071966" cy="2643206"/>
+          </a:xfrm>
+          <a:prstGeom prst="rect">
+            <a:avLst/>
+          </a:prstGeom>
+          <a:noFill/>
+          <a:ln w="9525">
+            <a:noFill/>
+            <a:miter lim="800000"/>
+            <a:headEnd/>
+            <a:tailEnd/>
+          </a:ln>
+          <a:effectLst/>
+        </p:spPr>
+      </p:pic>
+      <p:sp>
+        <p:nvSpPr>
+          <p:cNvPr id="11" name="TextBox 10"/>
+          <p:cNvSpPr txBox="1"/>
+          <p:nvPr/>
+        </p:nvSpPr>
+        <p:spPr>
+          <a:xfrm>
+            <a:off x="7643834" y="3071810"/>
+            <a:ext cx="3394777" cy="400110"/>
+          </a:xfrm>
+          <a:prstGeom prst="rect">
+            <a:avLst/>
+          </a:prstGeom>
+          <a:noFill/>
+        </p:spPr>
+        <p:txBody>
+          <a:bodyPr wrap="square" rtlCol="0">
+            <a:spAutoFit/>
+          </a:bodyPr>
+          <a:lstStyle/>
+          <a:p>
+            <a:r>
+              <a:rPr lang="ru-RU" sz="2000" smtClean="0"/>
+              <a:t>Поле ввода</a:t>
+            </a:r>
+            <a:endParaRPr lang="ru-RU" sz="2000"/>
+          </a:p>
+        </p:txBody>
+      </p:sp>
+      <p:sp>
+        <p:nvSpPr>
+          <p:cNvPr id="12" name="TextBox 11"/>
+          <p:cNvSpPr txBox="1"/>
+          <p:nvPr/>
+        </p:nvSpPr>
+        <p:spPr>
+          <a:xfrm>
+            <a:off x="8178147" y="3702610"/>
+            <a:ext cx="3394777" cy="400110"/>
+          </a:xfrm>
+          <a:prstGeom prst="rect">
+            <a:avLst/>
+          </a:prstGeom>
+          <a:noFill/>
+        </p:spPr>
+        <p:txBody>
+          <a:bodyPr wrap="square" rtlCol="0">
+            <a:spAutoFit/>
+          </a:bodyPr>
+          <a:lstStyle/>
+          <a:p>
+            <a:r>
+              <a:rPr lang="ru-RU" sz="2000" smtClean="0"/>
+              <a:t>Плеер</a:t>
+            </a:r>
+            <a:endParaRPr lang="ru-RU" sz="2000"/>
+          </a:p>
+        </p:txBody>
+      </p:sp>
+    </p:spTree>
+  </p:cSld>
+  <p:clrMapOvr>
+    <a:masterClrMapping/>
+  </p:clrMapOvr>
+  <p:transition>
+    <p:cover dir="lu"/>
+  </p:transition>
+  <p:timing>
+    <p:tnLst>
+      <p:par>
+        <p:cTn id="1" dur="indefinite" restart="never" nodeType="tmRoot"/>
+      </p:par>
+    </p:tnLst>
+  </p:timing>
+</p:sld>
+</file>
+
+<file path=ppt/slides/slide7.xml><?xml version="1.0" encoding="utf-8"?>
 <p:sld xmlns:a="http://schemas.openxmlformats.org/drawingml/2006/main" xmlns:r="http://schemas.openxmlformats.org/officeDocument/2006/relationships" xmlns:p="http://schemas.openxmlformats.org/presentationml/2006/main">
   <p:cSld>
     <p:spTree>
@@ -5875,510 +6343,6 @@
           </a:fontRef>
         </p:style>
       </p:cxnSp>
-    </p:spTree>
-  </p:cSld>
-  <p:clrMapOvr>
-    <a:masterClrMapping/>
-  </p:clrMapOvr>
-  <p:transition>
-    <p:cover dir="lu"/>
-  </p:transition>
-  <p:timing>
-    <p:tnLst>
-      <p:par>
-        <p:cTn id="1" dur="indefinite" restart="never" nodeType="tmRoot"/>
-      </p:par>
-    </p:tnLst>
-  </p:timing>
-</p:sld>
-</file>
-
-<file path=ppt/slides/slide6.xml><?xml version="1.0" encoding="utf-8"?>
-<p:sld xmlns:a="http://schemas.openxmlformats.org/drawingml/2006/main" xmlns:r="http://schemas.openxmlformats.org/officeDocument/2006/relationships" xmlns:p="http://schemas.openxmlformats.org/presentationml/2006/main">
-  <p:cSld>
-    <p:spTree>
-      <p:nvGrpSpPr>
-        <p:cNvPr id="1" name=""/>
-        <p:cNvGrpSpPr/>
-        <p:nvPr/>
-      </p:nvGrpSpPr>
-      <p:grpSpPr>
-        <a:xfrm>
-          <a:off x="0" y="0"/>
-          <a:ext cx="0" cy="0"/>
-          <a:chOff x="0" y="0"/>
-          <a:chExt cx="0" cy="0"/>
-        </a:xfrm>
-      </p:grpSpPr>
-      <p:sp>
-        <p:nvSpPr>
-          <p:cNvPr id="2" name="Заголовок 1"/>
-          <p:cNvSpPr>
-            <a:spLocks noGrp="1"/>
-          </p:cNvSpPr>
-          <p:nvPr>
-            <p:ph type="title"/>
-          </p:nvPr>
-        </p:nvSpPr>
-        <p:spPr>
-          <a:xfrm>
-            <a:off x="457200" y="-142900"/>
-            <a:ext cx="8229600" cy="1143000"/>
-          </a:xfrm>
-        </p:spPr>
-        <p:txBody>
-          <a:bodyPr/>
-          <a:lstStyle/>
-          <a:p>
-            <a:r>
-              <a:rPr lang="ru-RU" smtClean="0"/>
-              <a:t>Важные фрагменты кода</a:t>
-            </a:r>
-            <a:endParaRPr lang="ru-RU"/>
-          </a:p>
-        </p:txBody>
-      </p:sp>
-      <p:pic>
-        <p:nvPicPr>
-          <p:cNvPr id="3073" name="Picture 1"/>
-          <p:cNvPicPr>
-            <a:picLocks noChangeAspect="1" noChangeArrowheads="1"/>
-          </p:cNvPicPr>
-          <p:nvPr/>
-        </p:nvPicPr>
-        <p:blipFill>
-          <a:blip r:embed="rId2"/>
-          <a:srcRect l="3843" t="16601" r="55527" b="38477"/>
-          <a:stretch>
-            <a:fillRect/>
-          </a:stretch>
-        </p:blipFill>
-        <p:spPr bwMode="auto">
-          <a:xfrm>
-            <a:off x="71406" y="822478"/>
-            <a:ext cx="5572164" cy="3463778"/>
-          </a:xfrm>
-          <a:prstGeom prst="rect">
-            <a:avLst/>
-          </a:prstGeom>
-          <a:noFill/>
-          <a:ln w="9525">
-            <a:noFill/>
-            <a:miter lim="800000"/>
-            <a:headEnd/>
-            <a:tailEnd/>
-          </a:ln>
-          <a:effectLst/>
-        </p:spPr>
-      </p:pic>
-      <p:pic>
-        <p:nvPicPr>
-          <p:cNvPr id="3074" name="Picture 2"/>
-          <p:cNvPicPr>
-            <a:picLocks noChangeAspect="1" noChangeArrowheads="1"/>
-          </p:cNvPicPr>
-          <p:nvPr/>
-        </p:nvPicPr>
-        <p:blipFill>
-          <a:blip r:embed="rId3"/>
-          <a:srcRect l="2782" t="20703" r="60432" b="37305"/>
-          <a:stretch>
-            <a:fillRect/>
-          </a:stretch>
-        </p:blipFill>
-        <p:spPr bwMode="auto">
-          <a:xfrm>
-            <a:off x="4071934" y="3571876"/>
-            <a:ext cx="5000628" cy="3209358"/>
-          </a:xfrm>
-          <a:prstGeom prst="rect">
-            <a:avLst/>
-          </a:prstGeom>
-          <a:noFill/>
-          <a:ln w="9525">
-            <a:noFill/>
-            <a:miter lim="800000"/>
-            <a:headEnd/>
-            <a:tailEnd/>
-          </a:ln>
-          <a:effectLst/>
-        </p:spPr>
-      </p:pic>
-      <p:sp>
-        <p:nvSpPr>
-          <p:cNvPr id="6" name="TextBox 5"/>
-          <p:cNvSpPr txBox="1"/>
-          <p:nvPr/>
-        </p:nvSpPr>
-        <p:spPr>
-          <a:xfrm>
-            <a:off x="-32" y="4357694"/>
-            <a:ext cx="3717877" cy="461665"/>
-          </a:xfrm>
-          <a:prstGeom prst="rect">
-            <a:avLst/>
-          </a:prstGeom>
-          <a:noFill/>
-        </p:spPr>
-        <p:txBody>
-          <a:bodyPr wrap="none" rtlCol="0">
-            <a:spAutoFit/>
-          </a:bodyPr>
-          <a:lstStyle/>
-          <a:p>
-            <a:r>
-              <a:rPr lang="ru-RU" sz="2400" smtClean="0"/>
-              <a:t>Перемещение персонажа</a:t>
-            </a:r>
-            <a:endParaRPr lang="ru-RU" sz="2400"/>
-          </a:p>
-        </p:txBody>
-      </p:sp>
-      <p:sp>
-        <p:nvSpPr>
-          <p:cNvPr id="7" name="TextBox 6"/>
-          <p:cNvSpPr txBox="1"/>
-          <p:nvPr/>
-        </p:nvSpPr>
-        <p:spPr>
-          <a:xfrm>
-            <a:off x="6730358" y="3100328"/>
-            <a:ext cx="2413674" cy="461665"/>
-          </a:xfrm>
-          <a:prstGeom prst="rect">
-            <a:avLst/>
-          </a:prstGeom>
-          <a:noFill/>
-        </p:spPr>
-        <p:txBody>
-          <a:bodyPr wrap="none" rtlCol="0">
-            <a:spAutoFit/>
-          </a:bodyPr>
-          <a:lstStyle/>
-          <a:p>
-            <a:r>
-              <a:rPr lang="ru-RU" sz="2400" smtClean="0"/>
-              <a:t>Игровые циклы</a:t>
-            </a:r>
-            <a:endParaRPr lang="ru-RU" sz="2400"/>
-          </a:p>
-        </p:txBody>
-      </p:sp>
-    </p:spTree>
-  </p:cSld>
-  <p:clrMapOvr>
-    <a:masterClrMapping/>
-  </p:clrMapOvr>
-  <p:transition>
-    <p:cover dir="lu"/>
-  </p:transition>
-  <p:timing>
-    <p:tnLst>
-      <p:par>
-        <p:cTn id="1" dur="indefinite" restart="never" nodeType="tmRoot"/>
-      </p:par>
-    </p:tnLst>
-  </p:timing>
-</p:sld>
-</file>
-
-<file path=ppt/slides/slide7.xml><?xml version="1.0" encoding="utf-8"?>
-<p:sld xmlns:a="http://schemas.openxmlformats.org/drawingml/2006/main" xmlns:r="http://schemas.openxmlformats.org/officeDocument/2006/relationships" xmlns:p="http://schemas.openxmlformats.org/presentationml/2006/main">
-  <p:cSld>
-    <p:spTree>
-      <p:nvGrpSpPr>
-        <p:cNvPr id="1" name=""/>
-        <p:cNvGrpSpPr/>
-        <p:nvPr/>
-      </p:nvGrpSpPr>
-      <p:grpSpPr>
-        <a:xfrm>
-          <a:off x="0" y="0"/>
-          <a:ext cx="0" cy="0"/>
-          <a:chOff x="0" y="0"/>
-          <a:chExt cx="0" cy="0"/>
-        </a:xfrm>
-      </p:grpSpPr>
-      <p:pic>
-        <p:nvPicPr>
-          <p:cNvPr id="2049" name="Picture 1"/>
-          <p:cNvPicPr>
-            <a:picLocks noChangeAspect="1" noChangeArrowheads="1"/>
-          </p:cNvPicPr>
-          <p:nvPr/>
-        </p:nvPicPr>
-        <p:blipFill>
-          <a:blip r:embed="rId2"/>
-          <a:srcRect l="2745" t="15625" r="59919" b="37500"/>
-          <a:stretch>
-            <a:fillRect/>
-          </a:stretch>
-        </p:blipFill>
-        <p:spPr bwMode="auto">
-          <a:xfrm>
-            <a:off x="142844" y="642918"/>
-            <a:ext cx="4786346" cy="3378598"/>
-          </a:xfrm>
-          <a:prstGeom prst="rect">
-            <a:avLst/>
-          </a:prstGeom>
-          <a:noFill/>
-          <a:ln w="9525">
-            <a:noFill/>
-            <a:miter lim="800000"/>
-            <a:headEnd/>
-            <a:tailEnd/>
-          </a:ln>
-          <a:effectLst/>
-        </p:spPr>
-      </p:pic>
-      <p:sp>
-        <p:nvSpPr>
-          <p:cNvPr id="5" name="Заголовок 1"/>
-          <p:cNvSpPr>
-            <a:spLocks noGrp="1"/>
-          </p:cNvSpPr>
-          <p:nvPr>
-            <p:ph type="title"/>
-          </p:nvPr>
-        </p:nvSpPr>
-        <p:spPr>
-          <a:xfrm>
-            <a:off x="428596" y="-285776"/>
-            <a:ext cx="8229600" cy="1143000"/>
-          </a:xfrm>
-        </p:spPr>
-        <p:txBody>
-          <a:bodyPr/>
-          <a:lstStyle/>
-          <a:p>
-            <a:r>
-              <a:rPr lang="ru-RU" smtClean="0"/>
-              <a:t>Важные фрагменты кода</a:t>
-            </a:r>
-            <a:endParaRPr lang="ru-RU"/>
-          </a:p>
-        </p:txBody>
-      </p:sp>
-      <p:pic>
-        <p:nvPicPr>
-          <p:cNvPr id="2050" name="Picture 2"/>
-          <p:cNvPicPr>
-            <a:picLocks noChangeAspect="1" noChangeArrowheads="1"/>
-          </p:cNvPicPr>
-          <p:nvPr/>
-        </p:nvPicPr>
-        <p:blipFill>
-          <a:blip r:embed="rId3"/>
-          <a:srcRect l="3294" t="19531" r="65959" b="40430"/>
-          <a:stretch>
-            <a:fillRect/>
-          </a:stretch>
-        </p:blipFill>
-        <p:spPr bwMode="auto">
-          <a:xfrm>
-            <a:off x="5014599" y="3643314"/>
-            <a:ext cx="4057995" cy="2971032"/>
-          </a:xfrm>
-          <a:prstGeom prst="rect">
-            <a:avLst/>
-          </a:prstGeom>
-          <a:noFill/>
-          <a:ln w="9525">
-            <a:noFill/>
-            <a:miter lim="800000"/>
-            <a:headEnd/>
-            <a:tailEnd/>
-          </a:ln>
-          <a:effectLst/>
-        </p:spPr>
-      </p:pic>
-      <p:pic>
-        <p:nvPicPr>
-          <p:cNvPr id="2051" name="Picture 3"/>
-          <p:cNvPicPr>
-            <a:picLocks noChangeAspect="1" noChangeArrowheads="1"/>
-          </p:cNvPicPr>
-          <p:nvPr/>
-        </p:nvPicPr>
-        <p:blipFill>
-          <a:blip r:embed="rId4"/>
-          <a:srcRect l="3331" t="16797" r="49451" b="38281"/>
-          <a:stretch>
-            <a:fillRect/>
-          </a:stretch>
-        </p:blipFill>
-        <p:spPr bwMode="auto">
-          <a:xfrm>
-            <a:off x="142844" y="4164390"/>
-            <a:ext cx="4786346" cy="2560138"/>
-          </a:xfrm>
-          <a:prstGeom prst="rect">
-            <a:avLst/>
-          </a:prstGeom>
-          <a:noFill/>
-          <a:ln w="9525">
-            <a:noFill/>
-            <a:miter lim="800000"/>
-            <a:headEnd/>
-            <a:tailEnd/>
-          </a:ln>
-          <a:effectLst/>
-        </p:spPr>
-      </p:pic>
-      <p:sp>
-        <p:nvSpPr>
-          <p:cNvPr id="8" name="TextBox 7"/>
-          <p:cNvSpPr txBox="1"/>
-          <p:nvPr/>
-        </p:nvSpPr>
-        <p:spPr>
-          <a:xfrm>
-            <a:off x="1857356" y="3571876"/>
-            <a:ext cx="3394777" cy="400110"/>
-          </a:xfrm>
-          <a:prstGeom prst="rect">
-            <a:avLst/>
-          </a:prstGeom>
-          <a:noFill/>
-        </p:spPr>
-        <p:txBody>
-          <a:bodyPr wrap="square" rtlCol="0">
-            <a:spAutoFit/>
-          </a:bodyPr>
-          <a:lstStyle/>
-          <a:p>
-            <a:r>
-              <a:rPr lang="ru-RU" sz="2000" smtClean="0"/>
-              <a:t>Мини-игра (математика)</a:t>
-            </a:r>
-            <a:endParaRPr lang="ru-RU" sz="2000"/>
-          </a:p>
-        </p:txBody>
-      </p:sp>
-      <p:sp>
-        <p:nvSpPr>
-          <p:cNvPr id="9" name="TextBox 8"/>
-          <p:cNvSpPr txBox="1"/>
-          <p:nvPr/>
-        </p:nvSpPr>
-        <p:spPr>
-          <a:xfrm>
-            <a:off x="3963305" y="4171898"/>
-            <a:ext cx="3394777" cy="400110"/>
-          </a:xfrm>
-          <a:prstGeom prst="rect">
-            <a:avLst/>
-          </a:prstGeom>
-          <a:noFill/>
-        </p:spPr>
-        <p:txBody>
-          <a:bodyPr wrap="square" rtlCol="0">
-            <a:spAutoFit/>
-          </a:bodyPr>
-          <a:lstStyle/>
-          <a:p>
-            <a:r>
-              <a:rPr lang="ru-RU" sz="2000" smtClean="0"/>
-              <a:t>Таймер</a:t>
-            </a:r>
-            <a:endParaRPr lang="ru-RU" sz="2000"/>
-          </a:p>
-        </p:txBody>
-      </p:sp>
-      <p:pic>
-        <p:nvPicPr>
-          <p:cNvPr id="2052" name="Picture 4"/>
-          <p:cNvPicPr>
-            <a:picLocks noChangeAspect="1" noChangeArrowheads="1"/>
-          </p:cNvPicPr>
-          <p:nvPr/>
-        </p:nvPicPr>
-        <p:blipFill>
-          <a:blip r:embed="rId5"/>
-          <a:srcRect l="2745" t="20508" r="63177" b="39453"/>
-          <a:stretch>
-            <a:fillRect/>
-          </a:stretch>
-        </p:blipFill>
-        <p:spPr bwMode="auto">
-          <a:xfrm>
-            <a:off x="5000628" y="857232"/>
-            <a:ext cx="4071966" cy="2643206"/>
-          </a:xfrm>
-          <a:prstGeom prst="rect">
-            <a:avLst/>
-          </a:prstGeom>
-          <a:noFill/>
-          <a:ln w="9525">
-            <a:noFill/>
-            <a:miter lim="800000"/>
-            <a:headEnd/>
-            <a:tailEnd/>
-          </a:ln>
-          <a:effectLst/>
-        </p:spPr>
-      </p:pic>
-      <p:sp>
-        <p:nvSpPr>
-          <p:cNvPr id="11" name="TextBox 10"/>
-          <p:cNvSpPr txBox="1"/>
-          <p:nvPr/>
-        </p:nvSpPr>
-        <p:spPr>
-          <a:xfrm>
-            <a:off x="7643834" y="3071810"/>
-            <a:ext cx="3394777" cy="400110"/>
-          </a:xfrm>
-          <a:prstGeom prst="rect">
-            <a:avLst/>
-          </a:prstGeom>
-          <a:noFill/>
-        </p:spPr>
-        <p:txBody>
-          <a:bodyPr wrap="square" rtlCol="0">
-            <a:spAutoFit/>
-          </a:bodyPr>
-          <a:lstStyle/>
-          <a:p>
-            <a:r>
-              <a:rPr lang="ru-RU" sz="2000" smtClean="0"/>
-              <a:t>Поле ввода</a:t>
-            </a:r>
-            <a:endParaRPr lang="ru-RU" sz="2000"/>
-          </a:p>
-        </p:txBody>
-      </p:sp>
-      <p:sp>
-        <p:nvSpPr>
-          <p:cNvPr id="12" name="TextBox 11"/>
-          <p:cNvSpPr txBox="1"/>
-          <p:nvPr/>
-        </p:nvSpPr>
-        <p:spPr>
-          <a:xfrm>
-            <a:off x="8178147" y="3702610"/>
-            <a:ext cx="3394777" cy="400110"/>
-          </a:xfrm>
-          <a:prstGeom prst="rect">
-            <a:avLst/>
-          </a:prstGeom>
-          <a:noFill/>
-        </p:spPr>
-        <p:txBody>
-          <a:bodyPr wrap="square" rtlCol="0">
-            <a:spAutoFit/>
-          </a:bodyPr>
-          <a:lstStyle/>
-          <a:p>
-            <a:r>
-              <a:rPr lang="ru-RU" sz="2000" smtClean="0"/>
-              <a:t>Плеер</a:t>
-            </a:r>
-            <a:endParaRPr lang="ru-RU" sz="2000"/>
-          </a:p>
-        </p:txBody>
-      </p:sp>
     </p:spTree>
   </p:cSld>
   <p:clrMapOvr>
